--- a/Slides.pptx
+++ b/Slides.pptx
@@ -7,10 +7,16 @@
   <p:sldIdLst>
     <p:sldId id="256" r:id="rId2"/>
     <p:sldId id="259" r:id="rId3"/>
-    <p:sldId id="257" r:id="rId4"/>
-    <p:sldId id="258" r:id="rId5"/>
-    <p:sldId id="260" r:id="rId6"/>
-    <p:sldId id="261" r:id="rId7"/>
+    <p:sldId id="267" r:id="rId4"/>
+    <p:sldId id="257" r:id="rId5"/>
+    <p:sldId id="262" r:id="rId6"/>
+    <p:sldId id="258" r:id="rId7"/>
+    <p:sldId id="263" r:id="rId8"/>
+    <p:sldId id="264" r:id="rId9"/>
+    <p:sldId id="265" r:id="rId10"/>
+    <p:sldId id="266" r:id="rId11"/>
+    <p:sldId id="260" r:id="rId12"/>
+    <p:sldId id="261" r:id="rId13"/>
   </p:sldIdLst>
   <p:sldSz cx="9144000" cy="6858000" type="screen4x3"/>
   <p:notesSz cx="6858000" cy="9144000"/>
@@ -293,7 +299,8 @@
           <a:p>
             <a:fld id="{26232D1A-510F-4396-BB93-90397D7836DC}" type="datetimeFigureOut">
               <a:rPr lang="pt-BR" smtClean="0"/>
-              <a:t>23/11/2025</a:t>
+              <a:pPr/>
+              <a:t>24/11/2025</a:t>
             </a:fld>
             <a:endParaRPr lang="pt-BR"/>
           </a:p>
@@ -335,6 +342,7 @@
           <a:p>
             <a:fld id="{0F30B77E-433E-4BF3-915B-7534019A72B2}" type="slidenum">
               <a:rPr lang="pt-BR" smtClean="0"/>
+              <a:pPr/>
               <a:t>‹nº›</a:t>
             </a:fld>
             <a:endParaRPr lang="pt-BR"/>
@@ -458,7 +466,8 @@
           <a:p>
             <a:fld id="{26232D1A-510F-4396-BB93-90397D7836DC}" type="datetimeFigureOut">
               <a:rPr lang="pt-BR" smtClean="0"/>
-              <a:t>23/11/2025</a:t>
+              <a:pPr/>
+              <a:t>24/11/2025</a:t>
             </a:fld>
             <a:endParaRPr lang="pt-BR"/>
           </a:p>
@@ -500,6 +509,7 @@
           <a:p>
             <a:fld id="{0F30B77E-433E-4BF3-915B-7534019A72B2}" type="slidenum">
               <a:rPr lang="pt-BR" smtClean="0"/>
+              <a:pPr/>
               <a:t>‹nº›</a:t>
             </a:fld>
             <a:endParaRPr lang="pt-BR"/>
@@ -633,7 +643,8 @@
           <a:p>
             <a:fld id="{26232D1A-510F-4396-BB93-90397D7836DC}" type="datetimeFigureOut">
               <a:rPr lang="pt-BR" smtClean="0"/>
-              <a:t>23/11/2025</a:t>
+              <a:pPr/>
+              <a:t>24/11/2025</a:t>
             </a:fld>
             <a:endParaRPr lang="pt-BR"/>
           </a:p>
@@ -675,6 +686,7 @@
           <a:p>
             <a:fld id="{0F30B77E-433E-4BF3-915B-7534019A72B2}" type="slidenum">
               <a:rPr lang="pt-BR" smtClean="0"/>
+              <a:pPr/>
               <a:t>‹nº›</a:t>
             </a:fld>
             <a:endParaRPr lang="pt-BR"/>
@@ -798,7 +810,8 @@
           <a:p>
             <a:fld id="{26232D1A-510F-4396-BB93-90397D7836DC}" type="datetimeFigureOut">
               <a:rPr lang="pt-BR" smtClean="0"/>
-              <a:t>23/11/2025</a:t>
+              <a:pPr/>
+              <a:t>24/11/2025</a:t>
             </a:fld>
             <a:endParaRPr lang="pt-BR"/>
           </a:p>
@@ -840,6 +853,7 @@
           <a:p>
             <a:fld id="{0F30B77E-433E-4BF3-915B-7534019A72B2}" type="slidenum">
               <a:rPr lang="pt-BR" smtClean="0"/>
+              <a:pPr/>
               <a:t>‹nº›</a:t>
             </a:fld>
             <a:endParaRPr lang="pt-BR"/>
@@ -1039,7 +1053,8 @@
           <a:p>
             <a:fld id="{26232D1A-510F-4396-BB93-90397D7836DC}" type="datetimeFigureOut">
               <a:rPr lang="pt-BR" smtClean="0"/>
-              <a:t>23/11/2025</a:t>
+              <a:pPr/>
+              <a:t>24/11/2025</a:t>
             </a:fld>
             <a:endParaRPr lang="pt-BR"/>
           </a:p>
@@ -1081,6 +1096,7 @@
           <a:p>
             <a:fld id="{0F30B77E-433E-4BF3-915B-7534019A72B2}" type="slidenum">
               <a:rPr lang="pt-BR" smtClean="0"/>
+              <a:pPr/>
               <a:t>‹nº›</a:t>
             </a:fld>
             <a:endParaRPr lang="pt-BR"/>
@@ -1322,7 +1338,8 @@
           <a:p>
             <a:fld id="{26232D1A-510F-4396-BB93-90397D7836DC}" type="datetimeFigureOut">
               <a:rPr lang="pt-BR" smtClean="0"/>
-              <a:t>23/11/2025</a:t>
+              <a:pPr/>
+              <a:t>24/11/2025</a:t>
             </a:fld>
             <a:endParaRPr lang="pt-BR"/>
           </a:p>
@@ -1364,6 +1381,7 @@
           <a:p>
             <a:fld id="{0F30B77E-433E-4BF3-915B-7534019A72B2}" type="slidenum">
               <a:rPr lang="pt-BR" smtClean="0"/>
+              <a:pPr/>
               <a:t>‹nº›</a:t>
             </a:fld>
             <a:endParaRPr lang="pt-BR"/>
@@ -1739,7 +1757,8 @@
           <a:p>
             <a:fld id="{26232D1A-510F-4396-BB93-90397D7836DC}" type="datetimeFigureOut">
               <a:rPr lang="pt-BR" smtClean="0"/>
-              <a:t>23/11/2025</a:t>
+              <a:pPr/>
+              <a:t>24/11/2025</a:t>
             </a:fld>
             <a:endParaRPr lang="pt-BR"/>
           </a:p>
@@ -1781,6 +1800,7 @@
           <a:p>
             <a:fld id="{0F30B77E-433E-4BF3-915B-7534019A72B2}" type="slidenum">
               <a:rPr lang="pt-BR" smtClean="0"/>
+              <a:pPr/>
               <a:t>‹nº›</a:t>
             </a:fld>
             <a:endParaRPr lang="pt-BR"/>
@@ -1852,7 +1872,8 @@
           <a:p>
             <a:fld id="{26232D1A-510F-4396-BB93-90397D7836DC}" type="datetimeFigureOut">
               <a:rPr lang="pt-BR" smtClean="0"/>
-              <a:t>23/11/2025</a:t>
+              <a:pPr/>
+              <a:t>24/11/2025</a:t>
             </a:fld>
             <a:endParaRPr lang="pt-BR"/>
           </a:p>
@@ -1894,6 +1915,7 @@
           <a:p>
             <a:fld id="{0F30B77E-433E-4BF3-915B-7534019A72B2}" type="slidenum">
               <a:rPr lang="pt-BR" smtClean="0"/>
+              <a:pPr/>
               <a:t>‹nº›</a:t>
             </a:fld>
             <a:endParaRPr lang="pt-BR"/>
@@ -1942,7 +1964,8 @@
           <a:p>
             <a:fld id="{26232D1A-510F-4396-BB93-90397D7836DC}" type="datetimeFigureOut">
               <a:rPr lang="pt-BR" smtClean="0"/>
-              <a:t>23/11/2025</a:t>
+              <a:pPr/>
+              <a:t>24/11/2025</a:t>
             </a:fld>
             <a:endParaRPr lang="pt-BR"/>
           </a:p>
@@ -1984,6 +2007,7 @@
           <a:p>
             <a:fld id="{0F30B77E-433E-4BF3-915B-7534019A72B2}" type="slidenum">
               <a:rPr lang="pt-BR" smtClean="0"/>
+              <a:pPr/>
               <a:t>‹nº›</a:t>
             </a:fld>
             <a:endParaRPr lang="pt-BR"/>
@@ -2214,7 +2238,8 @@
           <a:p>
             <a:fld id="{26232D1A-510F-4396-BB93-90397D7836DC}" type="datetimeFigureOut">
               <a:rPr lang="pt-BR" smtClean="0"/>
-              <a:t>23/11/2025</a:t>
+              <a:pPr/>
+              <a:t>24/11/2025</a:t>
             </a:fld>
             <a:endParaRPr lang="pt-BR"/>
           </a:p>
@@ -2256,6 +2281,7 @@
           <a:p>
             <a:fld id="{0F30B77E-433E-4BF3-915B-7534019A72B2}" type="slidenum">
               <a:rPr lang="pt-BR" smtClean="0"/>
+              <a:pPr/>
               <a:t>‹nº›</a:t>
             </a:fld>
             <a:endParaRPr lang="pt-BR"/>
@@ -2462,7 +2488,8 @@
           <a:p>
             <a:fld id="{26232D1A-510F-4396-BB93-90397D7836DC}" type="datetimeFigureOut">
               <a:rPr lang="pt-BR" smtClean="0"/>
-              <a:t>23/11/2025</a:t>
+              <a:pPr/>
+              <a:t>24/11/2025</a:t>
             </a:fld>
             <a:endParaRPr lang="pt-BR"/>
           </a:p>
@@ -2504,6 +2531,7 @@
           <a:p>
             <a:fld id="{0F30B77E-433E-4BF3-915B-7534019A72B2}" type="slidenum">
               <a:rPr lang="pt-BR" smtClean="0"/>
+              <a:pPr/>
               <a:t>‹nº›</a:t>
             </a:fld>
             <a:endParaRPr lang="pt-BR"/>
@@ -2673,7 +2701,8 @@
           <a:p>
             <a:fld id="{26232D1A-510F-4396-BB93-90397D7836DC}" type="datetimeFigureOut">
               <a:rPr lang="pt-BR" smtClean="0"/>
-              <a:t>23/11/2025</a:t>
+              <a:pPr/>
+              <a:t>24/11/2025</a:t>
             </a:fld>
             <a:endParaRPr lang="pt-BR"/>
           </a:p>
@@ -2751,6 +2780,7 @@
           <a:p>
             <a:fld id="{0F30B77E-433E-4BF3-915B-7534019A72B2}" type="slidenum">
               <a:rPr lang="pt-BR" smtClean="0"/>
+              <a:pPr/>
               <a:t>‹nº›</a:t>
             </a:fld>
             <a:endParaRPr lang="pt-BR"/>
@@ -3137,6 +3167,508 @@
 </p:sld>
 </file>
 
+<file path=ppt/slides/slide10.xml><?xml version="1.0" encoding="utf-8"?>
+<p:sld xmlns:a="http://schemas.openxmlformats.org/drawingml/2006/main" xmlns:r="http://schemas.openxmlformats.org/officeDocument/2006/relationships" xmlns:p="http://schemas.openxmlformats.org/presentationml/2006/main">
+  <p:cSld>
+    <p:spTree>
+      <p:nvGrpSpPr>
+        <p:cNvPr id="1" name=""/>
+        <p:cNvGrpSpPr/>
+        <p:nvPr/>
+      </p:nvGrpSpPr>
+      <p:grpSpPr>
+        <a:xfrm>
+          <a:off x="0" y="0"/>
+          <a:ext cx="0" cy="0"/>
+          <a:chOff x="0" y="0"/>
+          <a:chExt cx="0" cy="0"/>
+        </a:xfrm>
+      </p:grpSpPr>
+      <p:sp>
+        <p:nvSpPr>
+          <p:cNvPr id="2" name="Título 1"/>
+          <p:cNvSpPr>
+            <a:spLocks noGrp="1"/>
+          </p:cNvSpPr>
+          <p:nvPr>
+            <p:ph type="title"/>
+          </p:nvPr>
+        </p:nvSpPr>
+        <p:spPr/>
+        <p:txBody>
+          <a:bodyPr/>
+          <a:lstStyle/>
+          <a:p>
+            <a:r>
+              <a:rPr lang="pt-BR" dirty="0" smtClean="0">
+                <a:solidFill>
+                  <a:schemeClr val="bg1"/>
+                </a:solidFill>
+              </a:rPr>
+              <a:t>Materiais Disponíveis</a:t>
+            </a:r>
+            <a:endParaRPr lang="pt-BR" dirty="0">
+              <a:solidFill>
+                <a:schemeClr val="bg1"/>
+              </a:solidFill>
+            </a:endParaRPr>
+          </a:p>
+        </p:txBody>
+      </p:sp>
+      <p:sp>
+        <p:nvSpPr>
+          <p:cNvPr id="3" name="Espaço Reservado para Conteúdo 2"/>
+          <p:cNvSpPr>
+            <a:spLocks noGrp="1"/>
+          </p:cNvSpPr>
+          <p:nvPr>
+            <p:ph idx="1"/>
+          </p:nvPr>
+        </p:nvSpPr>
+        <p:spPr/>
+        <p:txBody>
+          <a:bodyPr>
+            <a:normAutofit/>
+          </a:bodyPr>
+          <a:lstStyle/>
+          <a:p>
+            <a:r>
+              <a:rPr lang="pt-BR" dirty="0" smtClean="0">
+                <a:solidFill>
+                  <a:schemeClr val="bg1"/>
+                </a:solidFill>
+              </a:rPr>
+              <a:t>Relatório Técnico de Requisitos</a:t>
+            </a:r>
+          </a:p>
+          <a:p>
+            <a:pPr lvl="1"/>
+            <a:r>
+              <a:rPr lang="pt-BR" dirty="0" smtClean="0">
+                <a:solidFill>
+                  <a:schemeClr val="bg1"/>
+                </a:solidFill>
+              </a:rPr>
+              <a:t>Requisitos Funcionais.</a:t>
+            </a:r>
+          </a:p>
+          <a:p>
+            <a:pPr lvl="1"/>
+            <a:r>
+              <a:rPr lang="pt-BR" dirty="0" smtClean="0">
+                <a:solidFill>
+                  <a:schemeClr val="bg1"/>
+                </a:solidFill>
+              </a:rPr>
+              <a:t>Requisitos </a:t>
+            </a:r>
+            <a:r>
+              <a:rPr lang="pt-BR" dirty="0" err="1" smtClean="0">
+                <a:solidFill>
+                  <a:schemeClr val="bg1"/>
+                </a:solidFill>
+              </a:rPr>
+              <a:t>Não-Funcionais</a:t>
+            </a:r>
+            <a:r>
+              <a:rPr lang="pt-BR" dirty="0" smtClean="0">
+                <a:solidFill>
+                  <a:schemeClr val="bg1"/>
+                </a:solidFill>
+              </a:rPr>
+              <a:t>.</a:t>
+            </a:r>
+          </a:p>
+          <a:p>
+            <a:pPr lvl="1"/>
+            <a:r>
+              <a:rPr lang="pt-BR" dirty="0" smtClean="0">
+                <a:solidFill>
+                  <a:schemeClr val="bg1"/>
+                </a:solidFill>
+              </a:rPr>
+              <a:t>Regras de Negócio.</a:t>
+            </a:r>
+            <a:endParaRPr lang="pt-BR" dirty="0" smtClean="0">
+              <a:solidFill>
+                <a:schemeClr val="bg1"/>
+              </a:solidFill>
+            </a:endParaRPr>
+          </a:p>
+          <a:p>
+            <a:r>
+              <a:rPr lang="pt-BR" dirty="0" smtClean="0">
+                <a:solidFill>
+                  <a:schemeClr val="bg1"/>
+                </a:solidFill>
+              </a:rPr>
+              <a:t>Cronograma.</a:t>
+            </a:r>
+          </a:p>
+          <a:p>
+            <a:r>
+              <a:rPr lang="pt-BR" dirty="0" smtClean="0">
+                <a:solidFill>
+                  <a:schemeClr val="bg1"/>
+                </a:solidFill>
+              </a:rPr>
+              <a:t>Linha do Tempo.</a:t>
+            </a:r>
+          </a:p>
+          <a:p>
+            <a:r>
+              <a:rPr lang="pt-BR" dirty="0" err="1" smtClean="0">
+                <a:solidFill>
+                  <a:schemeClr val="bg1"/>
+                </a:solidFill>
+              </a:rPr>
+              <a:t>Wireframes</a:t>
+            </a:r>
+            <a:r>
+              <a:rPr lang="pt-BR" dirty="0" smtClean="0">
+                <a:solidFill>
+                  <a:schemeClr val="bg1"/>
+                </a:solidFill>
+              </a:rPr>
+              <a:t>.</a:t>
+            </a:r>
+            <a:endParaRPr lang="pt-BR" dirty="0" smtClean="0">
+              <a:solidFill>
+                <a:schemeClr val="bg1"/>
+              </a:solidFill>
+            </a:endParaRPr>
+          </a:p>
+        </p:txBody>
+      </p:sp>
+    </p:spTree>
+  </p:cSld>
+  <p:clrMapOvr>
+    <a:masterClrMapping/>
+  </p:clrMapOvr>
+</p:sld>
+</file>
+
+<file path=ppt/slides/slide11.xml><?xml version="1.0" encoding="utf-8"?>
+<p:sld xmlns:a="http://schemas.openxmlformats.org/drawingml/2006/main" xmlns:r="http://schemas.openxmlformats.org/officeDocument/2006/relationships" xmlns:p="http://schemas.openxmlformats.org/presentationml/2006/main">
+  <p:cSld>
+    <p:spTree>
+      <p:nvGrpSpPr>
+        <p:cNvPr id="1" name=""/>
+        <p:cNvGrpSpPr/>
+        <p:nvPr/>
+      </p:nvGrpSpPr>
+      <p:grpSpPr>
+        <a:xfrm>
+          <a:off x="0" y="0"/>
+          <a:ext cx="0" cy="0"/>
+          <a:chOff x="0" y="0"/>
+          <a:chExt cx="0" cy="0"/>
+        </a:xfrm>
+      </p:grpSpPr>
+      <p:sp>
+        <p:nvSpPr>
+          <p:cNvPr id="2" name="Título 1"/>
+          <p:cNvSpPr>
+            <a:spLocks noGrp="1"/>
+          </p:cNvSpPr>
+          <p:nvPr>
+            <p:ph type="title"/>
+          </p:nvPr>
+        </p:nvSpPr>
+        <p:spPr/>
+        <p:txBody>
+          <a:bodyPr/>
+          <a:lstStyle/>
+          <a:p>
+            <a:r>
+              <a:rPr lang="pt-BR" dirty="0" smtClean="0">
+                <a:solidFill>
+                  <a:schemeClr val="bg1"/>
+                </a:solidFill>
+              </a:rPr>
+              <a:t>Identificou Melhorias?</a:t>
+            </a:r>
+            <a:endParaRPr lang="pt-BR" dirty="0">
+              <a:solidFill>
+                <a:schemeClr val="bg1"/>
+              </a:solidFill>
+            </a:endParaRPr>
+          </a:p>
+        </p:txBody>
+      </p:sp>
+      <p:sp>
+        <p:nvSpPr>
+          <p:cNvPr id="3" name="Espaço Reservado para Conteúdo 2"/>
+          <p:cNvSpPr>
+            <a:spLocks noGrp="1"/>
+          </p:cNvSpPr>
+          <p:nvPr>
+            <p:ph idx="1"/>
+          </p:nvPr>
+        </p:nvSpPr>
+        <p:spPr/>
+        <p:txBody>
+          <a:bodyPr>
+            <a:normAutofit/>
+          </a:bodyPr>
+          <a:lstStyle/>
+          <a:p>
+            <a:pPr algn="just"/>
+            <a:r>
+              <a:rPr lang="pt-BR" dirty="0" smtClean="0">
+                <a:solidFill>
+                  <a:schemeClr val="bg1"/>
+                </a:solidFill>
+              </a:rPr>
+              <a:t>Este projeto acadêmico é open-source.</a:t>
+            </a:r>
+          </a:p>
+          <a:p>
+            <a:pPr algn="just"/>
+            <a:r>
+              <a:rPr lang="pt-BR" dirty="0" smtClean="0">
+                <a:solidFill>
+                  <a:schemeClr val="bg1"/>
+                </a:solidFill>
+              </a:rPr>
+              <a:t>Quer aprimorar? </a:t>
+            </a:r>
+          </a:p>
+          <a:p>
+            <a:pPr lvl="1" algn="just"/>
+            <a:r>
+              <a:rPr lang="pt-BR" dirty="0" smtClean="0">
+                <a:solidFill>
+                  <a:schemeClr val="bg1"/>
+                </a:solidFill>
+              </a:rPr>
+              <a:t>Solicite </a:t>
+            </a:r>
+            <a:r>
+              <a:rPr lang="pt-BR" dirty="0" err="1" smtClean="0">
+                <a:solidFill>
+                  <a:schemeClr val="bg1"/>
+                </a:solidFill>
+              </a:rPr>
+              <a:t>PRs</a:t>
+            </a:r>
+            <a:r>
+              <a:rPr lang="pt-BR" dirty="0" smtClean="0">
+                <a:solidFill>
+                  <a:schemeClr val="bg1"/>
+                </a:solidFill>
+              </a:rPr>
+              <a:t> ou clone o projeto. </a:t>
+            </a:r>
+          </a:p>
+          <a:p>
+            <a:pPr algn="just"/>
+            <a:r>
+              <a:rPr lang="pt-BR" dirty="0" smtClean="0">
+                <a:solidFill>
+                  <a:schemeClr val="bg1"/>
+                </a:solidFill>
+              </a:rPr>
+              <a:t>Quer </a:t>
+            </a:r>
+            <a:r>
+              <a:rPr lang="pt-BR" dirty="0" smtClean="0">
+                <a:solidFill>
+                  <a:schemeClr val="bg1"/>
+                </a:solidFill>
+              </a:rPr>
+              <a:t>ajuda em algum projeto/ideia? </a:t>
+            </a:r>
+            <a:endParaRPr lang="pt-BR" dirty="0" smtClean="0">
+              <a:solidFill>
+                <a:schemeClr val="bg1"/>
+              </a:solidFill>
+            </a:endParaRPr>
+          </a:p>
+          <a:p>
+            <a:pPr lvl="1" algn="just"/>
+            <a:r>
+              <a:rPr lang="pt-BR" dirty="0" smtClean="0">
+                <a:solidFill>
+                  <a:schemeClr val="bg1"/>
+                </a:solidFill>
+              </a:rPr>
+              <a:t>Contate-nos!</a:t>
+            </a:r>
+            <a:endParaRPr lang="pt-BR" dirty="0" smtClean="0">
+              <a:solidFill>
+                <a:schemeClr val="bg1"/>
+              </a:solidFill>
+            </a:endParaRPr>
+          </a:p>
+          <a:p>
+            <a:pPr lvl="1" algn="just"/>
+            <a:endParaRPr lang="pt-BR" dirty="0" smtClean="0">
+              <a:solidFill>
+                <a:schemeClr val="bg1"/>
+              </a:solidFill>
+            </a:endParaRPr>
+          </a:p>
+        </p:txBody>
+      </p:sp>
+    </p:spTree>
+  </p:cSld>
+  <p:clrMapOvr>
+    <a:masterClrMapping/>
+  </p:clrMapOvr>
+</p:sld>
+</file>
+
+<file path=ppt/slides/slide12.xml><?xml version="1.0" encoding="utf-8"?>
+<p:sld xmlns:a="http://schemas.openxmlformats.org/drawingml/2006/main" xmlns:r="http://schemas.openxmlformats.org/officeDocument/2006/relationships" xmlns:p="http://schemas.openxmlformats.org/presentationml/2006/main">
+  <p:cSld>
+    <p:spTree>
+      <p:nvGrpSpPr>
+        <p:cNvPr id="1" name=""/>
+        <p:cNvGrpSpPr/>
+        <p:nvPr/>
+      </p:nvGrpSpPr>
+      <p:grpSpPr>
+        <a:xfrm>
+          <a:off x="0" y="0"/>
+          <a:ext cx="0" cy="0"/>
+          <a:chOff x="0" y="0"/>
+          <a:chExt cx="0" cy="0"/>
+        </a:xfrm>
+      </p:grpSpPr>
+      <p:sp>
+        <p:nvSpPr>
+          <p:cNvPr id="2" name="Título 1"/>
+          <p:cNvSpPr>
+            <a:spLocks noGrp="1"/>
+          </p:cNvSpPr>
+          <p:nvPr>
+            <p:ph type="ctrTitle"/>
+          </p:nvPr>
+        </p:nvSpPr>
+        <p:spPr>
+          <a:xfrm>
+            <a:off x="683568" y="260648"/>
+            <a:ext cx="7772400" cy="1470025"/>
+          </a:xfrm>
+        </p:spPr>
+        <p:txBody>
+          <a:bodyPr/>
+          <a:lstStyle/>
+          <a:p>
+            <a:r>
+              <a:rPr lang="pt-BR" dirty="0" smtClean="0">
+                <a:solidFill>
+                  <a:schemeClr val="bg1"/>
+                </a:solidFill>
+              </a:rPr>
+              <a:t>OBRIGADO PELA ATENÇÃO!</a:t>
+            </a:r>
+            <a:endParaRPr lang="pt-BR" dirty="0">
+              <a:solidFill>
+                <a:schemeClr val="bg1"/>
+              </a:solidFill>
+            </a:endParaRPr>
+          </a:p>
+        </p:txBody>
+      </p:sp>
+      <p:sp>
+        <p:nvSpPr>
+          <p:cNvPr id="3" name="Subtítulo 2"/>
+          <p:cNvSpPr>
+            <a:spLocks noGrp="1"/>
+          </p:cNvSpPr>
+          <p:nvPr>
+            <p:ph type="subTitle" idx="1"/>
+          </p:nvPr>
+        </p:nvSpPr>
+        <p:spPr>
+          <a:xfrm>
+            <a:off x="1331640" y="4725144"/>
+            <a:ext cx="6400800" cy="1752600"/>
+          </a:xfrm>
+        </p:spPr>
+        <p:txBody>
+          <a:bodyPr/>
+          <a:lstStyle/>
+          <a:p>
+            <a:r>
+              <a:rPr lang="pt-BR" dirty="0" smtClean="0">
+                <a:solidFill>
+                  <a:schemeClr val="bg1"/>
+                </a:solidFill>
+              </a:rPr>
+              <a:t>Acesse nossa </a:t>
+            </a:r>
+            <a:r>
+              <a:rPr lang="pt-BR" dirty="0" err="1" smtClean="0">
+                <a:solidFill>
+                  <a:schemeClr val="bg1"/>
+                </a:solidFill>
+              </a:rPr>
+              <a:t>Wiki</a:t>
+            </a:r>
+            <a:r>
+              <a:rPr lang="pt-BR" dirty="0" smtClean="0">
+                <a:solidFill>
+                  <a:schemeClr val="bg1"/>
+                </a:solidFill>
+              </a:rPr>
+              <a:t> e repositório:</a:t>
+            </a:r>
+          </a:p>
+          <a:p>
+            <a:r>
+              <a:rPr lang="pt-BR" dirty="0" smtClean="0">
+                <a:hlinkClick r:id="rId2"/>
+              </a:rPr>
+              <a:t>https://github.com/MarcDevGuy127/cinema</a:t>
+            </a:r>
+            <a:endParaRPr lang="pt-BR" dirty="0"/>
+          </a:p>
+        </p:txBody>
+      </p:sp>
+      <p:pic>
+        <p:nvPicPr>
+          <p:cNvPr id="7169" name="Picture 1"/>
+          <p:cNvPicPr>
+            <a:picLocks noChangeAspect="1" noChangeArrowheads="1"/>
+          </p:cNvPicPr>
+          <p:nvPr/>
+        </p:nvPicPr>
+        <p:blipFill>
+          <a:blip r:embed="rId3" cstate="print"/>
+          <a:srcRect/>
+          <a:stretch>
+            <a:fillRect/>
+          </a:stretch>
+        </p:blipFill>
+        <p:spPr bwMode="auto">
+          <a:xfrm>
+            <a:off x="3275856" y="1628800"/>
+            <a:ext cx="2805658" cy="2762714"/>
+          </a:xfrm>
+          <a:prstGeom prst="rect">
+            <a:avLst/>
+          </a:prstGeom>
+          <a:noFill/>
+          <a:ln w="9525">
+            <a:noFill/>
+            <a:miter lim="800000"/>
+            <a:headEnd/>
+            <a:tailEnd/>
+          </a:ln>
+          <a:effectLst/>
+        </p:spPr>
+      </p:pic>
+    </p:spTree>
+  </p:cSld>
+  <p:clrMapOvr>
+    <a:masterClrMapping/>
+  </p:clrMapOvr>
+</p:sld>
+</file>
+
 <file path=ppt/slides/slide2.xml><?xml version="1.0" encoding="utf-8"?>
 <p:sld xmlns:a="http://schemas.openxmlformats.org/drawingml/2006/main" xmlns:r="http://schemas.openxmlformats.org/officeDocument/2006/relationships" xmlns:p="http://schemas.openxmlformats.org/presentationml/2006/main">
   <p:cSld>
@@ -3252,52 +3784,6 @@
       </p:grpSpPr>
       <p:sp>
         <p:nvSpPr>
-          <p:cNvPr id="5" name="Retângulo 4"/>
-          <p:cNvSpPr/>
-          <p:nvPr/>
-        </p:nvSpPr>
-        <p:spPr>
-          <a:xfrm>
-            <a:off x="395536" y="1844824"/>
-            <a:ext cx="8424936" cy="4320480"/>
-          </a:xfrm>
-          <a:prstGeom prst="rect">
-            <a:avLst/>
-          </a:prstGeom>
-          <a:solidFill>
-            <a:schemeClr val="bg1"/>
-          </a:solidFill>
-          <a:ln>
-            <a:noFill/>
-          </a:ln>
-        </p:spPr>
-        <p:style>
-          <a:lnRef idx="2">
-            <a:schemeClr val="accent1">
-              <a:shade val="50000"/>
-            </a:schemeClr>
-          </a:lnRef>
-          <a:fillRef idx="1">
-            <a:schemeClr val="accent1"/>
-          </a:fillRef>
-          <a:effectRef idx="0">
-            <a:schemeClr val="accent1"/>
-          </a:effectRef>
-          <a:fontRef idx="minor">
-            <a:schemeClr val="lt1"/>
-          </a:fontRef>
-        </p:style>
-        <p:txBody>
-          <a:bodyPr rtlCol="0" anchor="ctr"/>
-          <a:lstStyle/>
-          <a:p>
-            <a:pPr algn="ctr"/>
-            <a:endParaRPr lang="pt-BR"/>
-          </a:p>
-        </p:txBody>
-      </p:sp>
-      <p:sp>
-        <p:nvSpPr>
           <p:cNvPr id="2" name="Título 1"/>
           <p:cNvSpPr>
             <a:spLocks noGrp="1"/>
@@ -3317,7 +3803,7 @@
                   <a:schemeClr val="bg1"/>
                 </a:solidFill>
               </a:rPr>
-              <a:t>Banco de Dados</a:t>
+              <a:t>Dinâmica das Atividades</a:t>
             </a:r>
             <a:endParaRPr lang="pt-BR" dirty="0">
               <a:solidFill>
@@ -3327,15 +3813,104 @@
           </a:p>
         </p:txBody>
       </p:sp>
+      <p:sp>
+        <p:nvSpPr>
+          <p:cNvPr id="3" name="Espaço Reservado para Conteúdo 2"/>
+          <p:cNvSpPr>
+            <a:spLocks noGrp="1"/>
+          </p:cNvSpPr>
+          <p:nvPr>
+            <p:ph idx="1"/>
+          </p:nvPr>
+        </p:nvSpPr>
+        <p:spPr/>
+        <p:txBody>
+          <a:bodyPr/>
+          <a:lstStyle/>
+          <a:p>
+            <a:r>
+              <a:rPr lang="pt-BR" dirty="0" smtClean="0">
+                <a:solidFill>
+                  <a:schemeClr val="bg1"/>
+                </a:solidFill>
+              </a:rPr>
+              <a:t>Aplicamos a inversão de papéis.</a:t>
+            </a:r>
+          </a:p>
+          <a:p>
+            <a:r>
+              <a:rPr lang="pt-BR" dirty="0" smtClean="0">
+                <a:solidFill>
+                  <a:schemeClr val="bg1"/>
+                </a:solidFill>
+              </a:rPr>
+              <a:t>Integrantes de </a:t>
+            </a:r>
+            <a:r>
+              <a:rPr lang="pt-BR" sz="2800" dirty="0" err="1" smtClean="0">
+                <a:solidFill>
+                  <a:schemeClr val="bg1"/>
+                </a:solidFill>
+              </a:rPr>
+              <a:t>Back-end</a:t>
+            </a:r>
+            <a:r>
+              <a:rPr lang="pt-BR" sz="2800" dirty="0" smtClean="0">
+                <a:solidFill>
+                  <a:schemeClr val="bg1"/>
+                </a:solidFill>
+              </a:rPr>
+              <a:t> </a:t>
+            </a:r>
+            <a:r>
+              <a:rPr lang="pt-BR" dirty="0" smtClean="0">
+                <a:solidFill>
+                  <a:schemeClr val="bg1"/>
+                </a:solidFill>
+              </a:rPr>
+              <a:t>foram para o </a:t>
+            </a:r>
+            <a:r>
+              <a:rPr lang="pt-BR" sz="2800" dirty="0" err="1" smtClean="0">
+                <a:solidFill>
+                  <a:schemeClr val="bg1"/>
+                </a:solidFill>
+              </a:rPr>
+              <a:t>Front-end</a:t>
+            </a:r>
+            <a:r>
+              <a:rPr lang="pt-BR" dirty="0" smtClean="0">
+                <a:solidFill>
+                  <a:schemeClr val="bg1"/>
+                </a:solidFill>
+              </a:rPr>
+              <a:t>.</a:t>
+            </a:r>
+          </a:p>
+          <a:p>
+            <a:r>
+              <a:rPr lang="pt-BR" dirty="0" smtClean="0">
+                <a:solidFill>
+                  <a:schemeClr val="bg1"/>
+                </a:solidFill>
+              </a:rPr>
+              <a:t>E vice-versa!</a:t>
+            </a:r>
+            <a:endParaRPr lang="pt-BR" dirty="0">
+              <a:solidFill>
+                <a:schemeClr val="bg1"/>
+              </a:solidFill>
+            </a:endParaRPr>
+          </a:p>
+        </p:txBody>
+      </p:sp>
       <p:pic>
         <p:nvPicPr>
-          <p:cNvPr id="1026" name="Picture 2" descr="C:\Users\Marcelo Silva\AppData\Local\Temp\MicrosoftEdgeDownloads\d3872ce9-24d6-4bd5-8197-925689c9b72f\Untitled Diagram.drawio.png"/>
+          <p:cNvPr id="2050" name="Picture 2" descr="Facepalm Computer Meme"/>
           <p:cNvPicPr>
-            <a:picLocks noGrp="1" noChangeAspect="1" noChangeArrowheads="1"/>
+            <a:picLocks noChangeAspect="1" noChangeArrowheads="1"/>
           </p:cNvPicPr>
-          <p:nvPr>
-            <p:ph idx="1"/>
-          </p:nvPr>
+          <p:nvPr/>
         </p:nvPicPr>
         <p:blipFill>
           <a:blip r:embed="rId2" cstate="print"/>
@@ -3346,8 +3921,8 @@
         </p:blipFill>
         <p:spPr bwMode="auto">
           <a:xfrm>
-            <a:off x="457200" y="1862931"/>
-            <a:ext cx="8229600" cy="4000500"/>
+            <a:off x="1979712" y="3356992"/>
+            <a:ext cx="5538911" cy="3217599"/>
           </a:xfrm>
           <a:prstGeom prst="rect">
             <a:avLst/>
@@ -3382,6 +3957,52 @@
       </p:grpSpPr>
       <p:sp>
         <p:nvSpPr>
+          <p:cNvPr id="5" name="Retângulo 4"/>
+          <p:cNvSpPr/>
+          <p:nvPr/>
+        </p:nvSpPr>
+        <p:spPr>
+          <a:xfrm>
+            <a:off x="395536" y="1844824"/>
+            <a:ext cx="8424936" cy="4320480"/>
+          </a:xfrm>
+          <a:prstGeom prst="rect">
+            <a:avLst/>
+          </a:prstGeom>
+          <a:solidFill>
+            <a:schemeClr val="bg1"/>
+          </a:solidFill>
+          <a:ln>
+            <a:noFill/>
+          </a:ln>
+        </p:spPr>
+        <p:style>
+          <a:lnRef idx="2">
+            <a:schemeClr val="accent1">
+              <a:shade val="50000"/>
+            </a:schemeClr>
+          </a:lnRef>
+          <a:fillRef idx="1">
+            <a:schemeClr val="accent1"/>
+          </a:fillRef>
+          <a:effectRef idx="0">
+            <a:schemeClr val="accent1"/>
+          </a:effectRef>
+          <a:fontRef idx="minor">
+            <a:schemeClr val="lt1"/>
+          </a:fontRef>
+        </p:style>
+        <p:txBody>
+          <a:bodyPr rtlCol="0" anchor="ctr"/>
+          <a:lstStyle/>
+          <a:p>
+            <a:pPr algn="ctr"/>
+            <a:endParaRPr lang="pt-BR"/>
+          </a:p>
+        </p:txBody>
+      </p:sp>
+      <p:sp>
+        <p:nvSpPr>
           <p:cNvPr id="2" name="Título 1"/>
           <p:cNvSpPr>
             <a:spLocks noGrp="1"/>
@@ -3396,12 +4017,12 @@
           <a:lstStyle/>
           <a:p>
             <a:r>
-              <a:rPr lang="pt-BR" dirty="0" err="1" smtClean="0">
-                <a:solidFill>
-                  <a:schemeClr val="bg1"/>
-                </a:solidFill>
-              </a:rPr>
-              <a:t>Front-end</a:t>
+              <a:rPr lang="pt-BR" dirty="0" smtClean="0">
+                <a:solidFill>
+                  <a:schemeClr val="bg1"/>
+                </a:solidFill>
+              </a:rPr>
+              <a:t>Banco de Dados</a:t>
             </a:r>
             <a:endParaRPr lang="pt-BR" dirty="0">
               <a:solidFill>
@@ -3413,7 +4034,7 @@
       </p:sp>
       <p:pic>
         <p:nvPicPr>
-          <p:cNvPr id="6" name="Picture 2"/>
+          <p:cNvPr id="1026" name="Picture 2" descr="C:\Users\Marcelo Silva\AppData\Local\Temp\MicrosoftEdgeDownloads\d3872ce9-24d6-4bd5-8197-925689c9b72f\Untitled Diagram.drawio.png"/>
           <p:cNvPicPr>
             <a:picLocks noGrp="1" noChangeAspect="1" noChangeArrowheads="1"/>
           </p:cNvPicPr>
@@ -3430,20 +4051,13 @@
         </p:blipFill>
         <p:spPr bwMode="auto">
           <a:xfrm>
-            <a:off x="457200" y="1340768"/>
-            <a:ext cx="8435975" cy="5184576"/>
+            <a:off x="457200" y="1862931"/>
+            <a:ext cx="8229600" cy="4000500"/>
           </a:xfrm>
           <a:prstGeom prst="rect">
             <a:avLst/>
           </a:prstGeom>
           <a:noFill/>
-          <a:ln w="9525">
-            <a:noFill/>
-            <a:miter lim="800000"/>
-            <a:headEnd/>
-            <a:tailEnd/>
-          </a:ln>
-          <a:effectLst/>
         </p:spPr>
       </p:pic>
     </p:spTree>
@@ -3492,7 +4106,7 @@
                   <a:schemeClr val="bg1"/>
                 </a:solidFill>
               </a:rPr>
-              <a:t>Contexto Final</a:t>
+              <a:t>O que utilizamos para o BD?</a:t>
             </a:r>
             <a:endParaRPr lang="pt-BR" dirty="0">
               <a:solidFill>
@@ -3514,46 +4128,118 @@
         </p:nvSpPr>
         <p:spPr/>
         <p:txBody>
-          <a:bodyPr>
-            <a:normAutofit fontScale="92500" lnSpcReduction="10000"/>
-          </a:bodyPr>
-          <a:lstStyle/>
-          <a:p>
-            <a:pPr algn="just"/>
-            <a:r>
-              <a:rPr lang="pt-BR" dirty="0" smtClean="0">
-                <a:solidFill>
-                  <a:schemeClr val="bg1"/>
-                </a:solidFill>
-              </a:rPr>
-              <a:t>Site de cinema, focado na experiência dos clientes e na administração do negócio. Permitindo que usuários consultem a programação de filmes e informações adicionais, além de realizar a compra de bilhetes e a reserva das poltronas de </a:t>
-            </a:r>
-            <a:r>
-              <a:rPr lang="pt-BR" dirty="0" smtClean="0">
-                <a:solidFill>
-                  <a:schemeClr val="bg1"/>
-                </a:solidFill>
-              </a:rPr>
-              <a:t>forma prática</a:t>
-            </a:r>
-            <a:r>
-              <a:rPr lang="pt-BR" dirty="0" smtClean="0">
-                <a:solidFill>
-                  <a:schemeClr val="bg1"/>
-                </a:solidFill>
-              </a:rPr>
-              <a:t>. Havendo um programa de fidelidade disponível.</a:t>
-            </a:r>
-          </a:p>
-          <a:p>
-            <a:pPr algn="just"/>
-            <a:r>
-              <a:rPr lang="pt-BR" dirty="0" smtClean="0">
-                <a:solidFill>
-                  <a:schemeClr val="bg1"/>
-                </a:solidFill>
-              </a:rPr>
-              <a:t>Do ponto de vista administrativo, o sistema oferecerá recursos para gerenciamento de vendas. </a:t>
+          <a:bodyPr/>
+          <a:lstStyle/>
+          <a:p>
+            <a:r>
+              <a:rPr lang="pt-BR" dirty="0" err="1" smtClean="0">
+                <a:solidFill>
+                  <a:schemeClr val="bg1"/>
+                </a:solidFill>
+              </a:rPr>
+              <a:t>PostMan</a:t>
+            </a:r>
+            <a:r>
+              <a:rPr lang="pt-BR" dirty="0" smtClean="0">
+                <a:solidFill>
+                  <a:schemeClr val="bg1"/>
+                </a:solidFill>
+              </a:rPr>
+              <a:t>: tratamento e testes de requisições.</a:t>
+            </a:r>
+          </a:p>
+          <a:p>
+            <a:r>
+              <a:rPr lang="pt-BR" dirty="0" err="1" smtClean="0">
+                <a:solidFill>
+                  <a:schemeClr val="bg1"/>
+                </a:solidFill>
+              </a:rPr>
+              <a:t>MySQL</a:t>
+            </a:r>
+            <a:r>
+              <a:rPr lang="pt-BR" dirty="0" smtClean="0">
+                <a:solidFill>
+                  <a:schemeClr val="bg1"/>
+                </a:solidFill>
+              </a:rPr>
+              <a:t> </a:t>
+            </a:r>
+            <a:r>
+              <a:rPr lang="pt-BR" dirty="0" err="1" smtClean="0">
+                <a:solidFill>
+                  <a:schemeClr val="bg1"/>
+                </a:solidFill>
+              </a:rPr>
+              <a:t>Workbench</a:t>
+            </a:r>
+            <a:r>
+              <a:rPr lang="pt-BR" dirty="0" smtClean="0">
+                <a:solidFill>
+                  <a:schemeClr val="bg1"/>
+                </a:solidFill>
+              </a:rPr>
+              <a:t>: SGBD.</a:t>
+            </a:r>
+          </a:p>
+          <a:p>
+            <a:r>
+              <a:rPr lang="pt-BR" dirty="0" err="1" smtClean="0">
+                <a:solidFill>
+                  <a:schemeClr val="bg1"/>
+                </a:solidFill>
+              </a:rPr>
+              <a:t>Draw</a:t>
+            </a:r>
+            <a:r>
+              <a:rPr lang="pt-BR" dirty="0" smtClean="0">
+                <a:solidFill>
+                  <a:schemeClr val="bg1"/>
+                </a:solidFill>
+              </a:rPr>
+              <a:t>.</a:t>
+            </a:r>
+            <a:r>
+              <a:rPr lang="pt-BR" dirty="0" err="1" smtClean="0">
+                <a:solidFill>
+                  <a:schemeClr val="bg1"/>
+                </a:solidFill>
+              </a:rPr>
+              <a:t>io</a:t>
+            </a:r>
+            <a:r>
+              <a:rPr lang="pt-BR" dirty="0" smtClean="0">
+                <a:solidFill>
+                  <a:schemeClr val="bg1"/>
+                </a:solidFill>
+              </a:rPr>
+              <a:t>: Conceituação e rascunhos.</a:t>
+            </a:r>
+          </a:p>
+          <a:p>
+            <a:r>
+              <a:rPr lang="pt-BR" dirty="0" smtClean="0">
+                <a:solidFill>
+                  <a:schemeClr val="bg1"/>
+                </a:solidFill>
+              </a:rPr>
+              <a:t>Linguagens: </a:t>
+            </a:r>
+            <a:r>
+              <a:rPr lang="pt-BR" dirty="0" err="1" smtClean="0">
+                <a:solidFill>
+                  <a:schemeClr val="bg1"/>
+                </a:solidFill>
+              </a:rPr>
+              <a:t>MySQL</a:t>
+            </a:r>
+            <a:r>
+              <a:rPr lang="pt-BR" dirty="0" smtClean="0">
+                <a:solidFill>
+                  <a:schemeClr val="bg1"/>
+                </a:solidFill>
+              </a:rPr>
+              <a:t>(BD) e PHP(integração).</a:t>
             </a:r>
           </a:p>
         </p:txBody>
@@ -3590,21 +4276,21 @@
             <a:spLocks noGrp="1"/>
           </p:cNvSpPr>
           <p:nvPr>
-            <p:ph type="ctrTitle"/>
-          </p:nvPr>
-        </p:nvSpPr>
-        <p:spPr/>
-        <p:txBody>
-          <a:bodyPr/>
-          <a:lstStyle/>
-          <a:p>
-            <a:r>
-              <a:rPr lang="pt-BR" dirty="0" smtClean="0">
-                <a:solidFill>
-                  <a:schemeClr val="bg1"/>
-                </a:solidFill>
-              </a:rPr>
-              <a:t>OBRIGADO PELA ATENÇÃO!</a:t>
+            <p:ph type="title"/>
+          </p:nvPr>
+        </p:nvSpPr>
+        <p:spPr/>
+        <p:txBody>
+          <a:bodyPr/>
+          <a:lstStyle/>
+          <a:p>
+            <a:r>
+              <a:rPr lang="pt-BR" dirty="0" err="1" smtClean="0">
+                <a:solidFill>
+                  <a:schemeClr val="bg1"/>
+                </a:solidFill>
+              </a:rPr>
+              <a:t>Front-end</a:t>
             </a:r>
             <a:endParaRPr lang="pt-BR" dirty="0">
               <a:solidFill>
@@ -3614,28 +4300,88 @@
           </a:p>
         </p:txBody>
       </p:sp>
-      <p:sp>
-        <p:nvSpPr>
-          <p:cNvPr id="3" name="Subtítulo 2"/>
-          <p:cNvSpPr>
-            <a:spLocks noGrp="1"/>
-          </p:cNvSpPr>
-          <p:nvPr>
-            <p:ph type="subTitle" idx="1"/>
-          </p:nvPr>
-        </p:nvSpPr>
-        <p:spPr/>
-        <p:txBody>
-          <a:bodyPr/>
-          <a:lstStyle/>
-          <a:p>
-            <a:r>
-              <a:rPr lang="pt-BR" dirty="0" smtClean="0">
-                <a:solidFill>
-                  <a:schemeClr val="bg1"/>
-                </a:solidFill>
-              </a:rPr>
-              <a:t>Acesse nossa </a:t>
+      <p:pic>
+        <p:nvPicPr>
+          <p:cNvPr id="6" name="Picture 2"/>
+          <p:cNvPicPr>
+            <a:picLocks noGrp="1" noChangeAspect="1" noChangeArrowheads="1"/>
+          </p:cNvPicPr>
+          <p:nvPr>
+            <p:ph idx="1"/>
+          </p:nvPr>
+        </p:nvPicPr>
+        <p:blipFill>
+          <a:blip r:embed="rId2" cstate="print"/>
+          <a:srcRect/>
+          <a:stretch>
+            <a:fillRect/>
+          </a:stretch>
+        </p:blipFill>
+        <p:spPr bwMode="auto">
+          <a:xfrm>
+            <a:off x="0" y="1340768"/>
+            <a:ext cx="9144000" cy="5517232"/>
+          </a:xfrm>
+          <a:prstGeom prst="rect">
+            <a:avLst/>
+          </a:prstGeom>
+          <a:noFill/>
+          <a:ln w="9525">
+            <a:noFill/>
+            <a:miter lim="800000"/>
+            <a:headEnd/>
+            <a:tailEnd/>
+          </a:ln>
+          <a:effectLst/>
+        </p:spPr>
+      </p:pic>
+    </p:spTree>
+  </p:cSld>
+  <p:clrMapOvr>
+    <a:masterClrMapping/>
+  </p:clrMapOvr>
+</p:sld>
+</file>
+
+<file path=ppt/slides/slide7.xml><?xml version="1.0" encoding="utf-8"?>
+<p:sld xmlns:a="http://schemas.openxmlformats.org/drawingml/2006/main" xmlns:r="http://schemas.openxmlformats.org/officeDocument/2006/relationships" xmlns:p="http://schemas.openxmlformats.org/presentationml/2006/main">
+  <p:cSld>
+    <p:spTree>
+      <p:nvGrpSpPr>
+        <p:cNvPr id="1" name=""/>
+        <p:cNvGrpSpPr/>
+        <p:nvPr/>
+      </p:nvGrpSpPr>
+      <p:grpSpPr>
+        <a:xfrm>
+          <a:off x="0" y="0"/>
+          <a:ext cx="0" cy="0"/>
+          <a:chOff x="0" y="0"/>
+          <a:chExt cx="0" cy="0"/>
+        </a:xfrm>
+      </p:grpSpPr>
+      <p:sp>
+        <p:nvSpPr>
+          <p:cNvPr id="2" name="Título 1"/>
+          <p:cNvSpPr>
+            <a:spLocks noGrp="1"/>
+          </p:cNvSpPr>
+          <p:nvPr>
+            <p:ph type="title"/>
+          </p:nvPr>
+        </p:nvSpPr>
+        <p:spPr/>
+        <p:txBody>
+          <a:bodyPr/>
+          <a:lstStyle/>
+          <a:p>
+            <a:r>
+              <a:rPr lang="pt-BR" dirty="0" smtClean="0">
+                <a:solidFill>
+                  <a:schemeClr val="bg1"/>
+                </a:solidFill>
+              </a:rPr>
+              <a:t>O que utilizamos para o </a:t>
             </a:r>
             <a:r>
               <a:rPr lang="pt-BR" dirty="0" err="1" smtClean="0">
@@ -3643,28 +4389,557 @@
                   <a:schemeClr val="bg1"/>
                 </a:solidFill>
               </a:rPr>
-              <a:t>Wiki</a:t>
-            </a:r>
-            <a:r>
-              <a:rPr lang="pt-BR" dirty="0" smtClean="0">
-                <a:solidFill>
-                  <a:schemeClr val="bg1"/>
-                </a:solidFill>
-              </a:rPr>
-              <a:t> e repositório:</a:t>
-            </a:r>
-          </a:p>
-          <a:p>
-            <a:r>
-              <a:rPr lang="pt-BR" dirty="0" smtClean="0">
+              <a:t>Front-end</a:t>
+            </a:r>
+            <a:r>
+              <a:rPr lang="pt-BR" dirty="0" smtClean="0">
+                <a:solidFill>
+                  <a:schemeClr val="bg1"/>
+                </a:solidFill>
+              </a:rPr>
+              <a:t>?</a:t>
+            </a:r>
+            <a:endParaRPr lang="pt-BR" dirty="0">
+              <a:solidFill>
+                <a:schemeClr val="bg1"/>
+              </a:solidFill>
+            </a:endParaRPr>
+          </a:p>
+        </p:txBody>
+      </p:sp>
+      <p:sp>
+        <p:nvSpPr>
+          <p:cNvPr id="3" name="Espaço Reservado para Conteúdo 2"/>
+          <p:cNvSpPr>
+            <a:spLocks noGrp="1"/>
+          </p:cNvSpPr>
+          <p:nvPr>
+            <p:ph idx="1"/>
+          </p:nvPr>
+        </p:nvSpPr>
+        <p:spPr/>
+        <p:txBody>
+          <a:bodyPr/>
+          <a:lstStyle/>
+          <a:p>
+            <a:r>
+              <a:rPr lang="pt-BR" dirty="0" err="1" smtClean="0">
+                <a:solidFill>
+                  <a:schemeClr val="bg1"/>
+                </a:solidFill>
+              </a:rPr>
+              <a:t>JavaScript</a:t>
+            </a:r>
+            <a:r>
+              <a:rPr lang="pt-BR" dirty="0" smtClean="0">
+                <a:solidFill>
+                  <a:schemeClr val="bg1"/>
+                </a:solidFill>
+              </a:rPr>
+              <a:t>: animações e operações lógicas.</a:t>
+            </a:r>
+          </a:p>
+          <a:p>
+            <a:r>
+              <a:rPr lang="pt-BR" dirty="0" smtClean="0">
+                <a:solidFill>
+                  <a:schemeClr val="bg1"/>
+                </a:solidFill>
+              </a:rPr>
+              <a:t>CSS </a:t>
+            </a:r>
+            <a:r>
+              <a:rPr lang="pt-BR" dirty="0" err="1" smtClean="0">
+                <a:solidFill>
+                  <a:schemeClr val="bg1"/>
+                </a:solidFill>
+              </a:rPr>
+              <a:t>Grid</a:t>
+            </a:r>
+            <a:r>
+              <a:rPr lang="pt-BR" dirty="0" smtClean="0">
+                <a:solidFill>
+                  <a:schemeClr val="bg1"/>
+                </a:solidFill>
+              </a:rPr>
+              <a:t>: efeitos, </a:t>
+            </a:r>
+            <a:r>
+              <a:rPr lang="pt-BR" dirty="0" err="1" smtClean="0">
+                <a:solidFill>
+                  <a:schemeClr val="bg1"/>
+                </a:solidFill>
+              </a:rPr>
+              <a:t>responsividade</a:t>
+            </a:r>
+            <a:r>
+              <a:rPr lang="pt-BR" dirty="0" smtClean="0">
+                <a:solidFill>
+                  <a:schemeClr val="bg1"/>
+                </a:solidFill>
+              </a:rPr>
+              <a:t> e contêineres.</a:t>
+            </a:r>
+          </a:p>
+          <a:p>
+            <a:r>
+              <a:rPr lang="pt-BR" dirty="0" smtClean="0">
+                <a:solidFill>
+                  <a:schemeClr val="bg1"/>
+                </a:solidFill>
+              </a:rPr>
+              <a:t>HTML: </a:t>
+            </a:r>
+            <a:r>
+              <a:rPr lang="pt-BR" dirty="0" err="1" smtClean="0">
+                <a:solidFill>
+                  <a:schemeClr val="bg1"/>
+                </a:solidFill>
+              </a:rPr>
+              <a:t>Estuturação</a:t>
+            </a:r>
+            <a:r>
+              <a:rPr lang="pt-BR" dirty="0" smtClean="0">
+                <a:solidFill>
+                  <a:schemeClr val="bg1"/>
+                </a:solidFill>
+              </a:rPr>
+              <a:t> do site e </a:t>
+            </a:r>
+            <a:r>
+              <a:rPr lang="pt-BR" dirty="0" err="1" smtClean="0">
+                <a:solidFill>
+                  <a:schemeClr val="bg1"/>
+                </a:solidFill>
+              </a:rPr>
+              <a:t>Injection</a:t>
+            </a:r>
+            <a:r>
+              <a:rPr lang="pt-BR" dirty="0" smtClean="0">
+                <a:solidFill>
+                  <a:schemeClr val="bg1"/>
+                </a:solidFill>
+              </a:rPr>
+              <a:t> de componentes.</a:t>
+            </a:r>
+          </a:p>
+          <a:p>
+            <a:r>
+              <a:rPr lang="pt-BR" dirty="0" err="1" smtClean="0">
+                <a:solidFill>
+                  <a:schemeClr val="bg1"/>
+                </a:solidFill>
+              </a:rPr>
+              <a:t>Excalidraw</a:t>
+            </a:r>
+            <a:r>
+              <a:rPr lang="pt-BR" dirty="0" smtClean="0">
+                <a:solidFill>
+                  <a:schemeClr val="bg1"/>
+                </a:solidFill>
+              </a:rPr>
+              <a:t>.</a:t>
+            </a:r>
+            <a:r>
+              <a:rPr lang="pt-BR" dirty="0" err="1" smtClean="0">
+                <a:solidFill>
+                  <a:schemeClr val="bg1"/>
+                </a:solidFill>
+              </a:rPr>
+              <a:t>io</a:t>
+            </a:r>
+            <a:r>
+              <a:rPr lang="pt-BR" dirty="0" smtClean="0">
+                <a:solidFill>
+                  <a:schemeClr val="bg1"/>
+                </a:solidFill>
+              </a:rPr>
+              <a:t>: Rascunho de </a:t>
+            </a:r>
+            <a:r>
+              <a:rPr lang="pt-BR" dirty="0" err="1" smtClean="0">
+                <a:solidFill>
+                  <a:schemeClr val="bg1"/>
+                </a:solidFill>
+              </a:rPr>
+              <a:t>Wireframes</a:t>
+            </a:r>
+            <a:r>
+              <a:rPr lang="pt-BR" dirty="0" smtClean="0">
+                <a:solidFill>
+                  <a:schemeClr val="bg1"/>
+                </a:solidFill>
+              </a:rPr>
+              <a:t>.</a:t>
+            </a:r>
+          </a:p>
+          <a:p>
+            <a:r>
+              <a:rPr lang="pt-BR" dirty="0" err="1" smtClean="0">
+                <a:solidFill>
+                  <a:schemeClr val="bg1"/>
+                </a:solidFill>
+              </a:rPr>
+              <a:t>ChatGPT</a:t>
+            </a:r>
+            <a:r>
+              <a:rPr lang="pt-BR" dirty="0" smtClean="0">
+                <a:solidFill>
+                  <a:schemeClr val="bg1"/>
+                </a:solidFill>
+              </a:rPr>
+              <a:t>: Criação de </a:t>
+            </a:r>
+            <a:r>
+              <a:rPr lang="pt-BR" dirty="0" smtClean="0">
+                <a:solidFill>
+                  <a:schemeClr val="bg1"/>
+                </a:solidFill>
+              </a:rPr>
+              <a:t>i</a:t>
+            </a:r>
+            <a:r>
+              <a:rPr lang="pt-BR" dirty="0" smtClean="0">
+                <a:solidFill>
+                  <a:schemeClr val="bg1"/>
+                </a:solidFill>
+              </a:rPr>
+              <a:t>magens fictícias.</a:t>
+            </a:r>
+          </a:p>
+        </p:txBody>
+      </p:sp>
+    </p:spTree>
+  </p:cSld>
+  <p:clrMapOvr>
+    <a:masterClrMapping/>
+  </p:clrMapOvr>
+</p:sld>
+</file>
+
+<file path=ppt/slides/slide8.xml><?xml version="1.0" encoding="utf-8"?>
+<p:sld xmlns:a="http://schemas.openxmlformats.org/drawingml/2006/main" xmlns:r="http://schemas.openxmlformats.org/officeDocument/2006/relationships" xmlns:p="http://schemas.openxmlformats.org/presentationml/2006/main">
+  <p:cSld>
+    <p:spTree>
+      <p:nvGrpSpPr>
+        <p:cNvPr id="1" name=""/>
+        <p:cNvGrpSpPr/>
+        <p:nvPr/>
+      </p:nvGrpSpPr>
+      <p:grpSpPr>
+        <a:xfrm>
+          <a:off x="0" y="0"/>
+          <a:ext cx="0" cy="0"/>
+          <a:chOff x="0" y="0"/>
+          <a:chExt cx="0" cy="0"/>
+        </a:xfrm>
+      </p:grpSpPr>
+      <p:sp>
+        <p:nvSpPr>
+          <p:cNvPr id="2" name="Título 1"/>
+          <p:cNvSpPr>
+            <a:spLocks noGrp="1"/>
+          </p:cNvSpPr>
+          <p:nvPr>
+            <p:ph type="title"/>
+          </p:nvPr>
+        </p:nvSpPr>
+        <p:spPr/>
+        <p:txBody>
+          <a:bodyPr/>
+          <a:lstStyle/>
+          <a:p>
+            <a:r>
+              <a:rPr lang="pt-BR" dirty="0" smtClean="0">
+                <a:solidFill>
+                  <a:schemeClr val="bg1"/>
+                </a:solidFill>
+              </a:rPr>
+              <a:t>Desafios</a:t>
+            </a:r>
+            <a:endParaRPr lang="pt-BR" dirty="0">
+              <a:solidFill>
+                <a:schemeClr val="bg1"/>
+              </a:solidFill>
+            </a:endParaRPr>
+          </a:p>
+        </p:txBody>
+      </p:sp>
+      <p:sp>
+        <p:nvSpPr>
+          <p:cNvPr id="3" name="Espaço Reservado para Conteúdo 2"/>
+          <p:cNvSpPr>
+            <a:spLocks noGrp="1"/>
+          </p:cNvSpPr>
+          <p:nvPr>
+            <p:ph idx="1"/>
+          </p:nvPr>
+        </p:nvSpPr>
+        <p:spPr/>
+        <p:txBody>
+          <a:bodyPr/>
+          <a:lstStyle/>
+          <a:p>
+            <a:r>
+              <a:rPr lang="pt-BR" dirty="0" smtClean="0">
+                <a:solidFill>
+                  <a:schemeClr val="bg1"/>
+                </a:solidFill>
+              </a:rPr>
+              <a:t>Desenvolvimento do Mapa da Sessão.</a:t>
+            </a:r>
+          </a:p>
+          <a:p>
+            <a:pPr lvl="1"/>
+            <a:r>
+              <a:rPr lang="pt-BR" dirty="0" smtClean="0">
+                <a:solidFill>
+                  <a:schemeClr val="bg1"/>
+                </a:solidFill>
+              </a:rPr>
+              <a:t>Estruturação dos elementos.</a:t>
+            </a:r>
+          </a:p>
+          <a:p>
+            <a:pPr lvl="1"/>
+            <a:r>
+              <a:rPr lang="pt-BR" dirty="0" smtClean="0">
+                <a:solidFill>
+                  <a:schemeClr val="bg1"/>
+                </a:solidFill>
+              </a:rPr>
+              <a:t>Alinhamento das poltronas e eixos. </a:t>
+            </a:r>
+          </a:p>
+          <a:p>
+            <a:r>
+              <a:rPr lang="pt-BR" dirty="0" smtClean="0">
+                <a:solidFill>
+                  <a:schemeClr val="bg1"/>
+                </a:solidFill>
+              </a:rPr>
+              <a:t>Definição </a:t>
+            </a:r>
+            <a:r>
+              <a:rPr lang="pt-BR" dirty="0" smtClean="0">
+                <a:solidFill>
+                  <a:schemeClr val="bg1"/>
+                </a:solidFill>
+              </a:rPr>
+              <a:t>do </a:t>
+            </a:r>
+            <a:r>
+              <a:rPr lang="pt-BR" dirty="0" smtClean="0">
+                <a:solidFill>
+                  <a:schemeClr val="bg1"/>
+                </a:solidFill>
+              </a:rPr>
+              <a:t>MER.</a:t>
+            </a:r>
+            <a:endParaRPr lang="pt-BR" dirty="0" smtClean="0">
+              <a:solidFill>
+                <a:schemeClr val="bg1"/>
+              </a:solidFill>
+            </a:endParaRPr>
+          </a:p>
+          <a:p>
+            <a:pPr lvl="1"/>
+            <a:r>
+              <a:rPr lang="pt-BR" dirty="0" smtClean="0">
+                <a:solidFill>
+                  <a:schemeClr val="bg1"/>
+                </a:solidFill>
+              </a:rPr>
+              <a:t>Cortes de acordo com complexidade e prazo.</a:t>
+            </a:r>
+          </a:p>
+          <a:p>
+            <a:pPr lvl="1"/>
+            <a:r>
+              <a:rPr lang="pt-BR" dirty="0" smtClean="0">
+                <a:solidFill>
+                  <a:schemeClr val="bg1"/>
+                </a:solidFill>
+              </a:rPr>
+              <a:t>Melhorias progressivas alinhadas às aulas.</a:t>
+            </a:r>
+            <a:endParaRPr lang="pt-BR" dirty="0" smtClean="0">
+              <a:solidFill>
+                <a:schemeClr val="bg1"/>
+              </a:solidFill>
+            </a:endParaRPr>
+          </a:p>
+          <a:p>
+            <a:pPr lvl="1"/>
+            <a:r>
+              <a:rPr lang="pt-BR" dirty="0" smtClean="0">
+                <a:solidFill>
+                  <a:schemeClr val="bg1"/>
+                </a:solidFill>
+              </a:rPr>
+              <a:t>Contextos e reflexões diferentes.</a:t>
+            </a:r>
+            <a:endParaRPr lang="pt-BR" dirty="0" smtClean="0">
+              <a:solidFill>
+                <a:schemeClr val="bg1"/>
+              </a:solidFill>
+            </a:endParaRPr>
+          </a:p>
+          <a:p>
+            <a:pPr lvl="1"/>
+            <a:endParaRPr lang="pt-BR" dirty="0" smtClean="0">
+              <a:solidFill>
+                <a:schemeClr val="bg1"/>
+              </a:solidFill>
+            </a:endParaRPr>
+          </a:p>
+        </p:txBody>
+      </p:sp>
+    </p:spTree>
+  </p:cSld>
+  <p:clrMapOvr>
+    <a:masterClrMapping/>
+  </p:clrMapOvr>
+</p:sld>
+</file>
+
+<file path=ppt/slides/slide9.xml><?xml version="1.0" encoding="utf-8"?>
+<p:sld xmlns:a="http://schemas.openxmlformats.org/drawingml/2006/main" xmlns:r="http://schemas.openxmlformats.org/officeDocument/2006/relationships" xmlns:p="http://schemas.openxmlformats.org/presentationml/2006/main">
+  <p:cSld>
+    <p:spTree>
+      <p:nvGrpSpPr>
+        <p:cNvPr id="1" name=""/>
+        <p:cNvGrpSpPr/>
+        <p:nvPr/>
+      </p:nvGrpSpPr>
+      <p:grpSpPr>
+        <a:xfrm>
+          <a:off x="0" y="0"/>
+          <a:ext cx="0" cy="0"/>
+          <a:chOff x="0" y="0"/>
+          <a:chExt cx="0" cy="0"/>
+        </a:xfrm>
+      </p:grpSpPr>
+      <p:sp>
+        <p:nvSpPr>
+          <p:cNvPr id="2" name="Título 1"/>
+          <p:cNvSpPr>
+            <a:spLocks noGrp="1"/>
+          </p:cNvSpPr>
+          <p:nvPr>
+            <p:ph type="title"/>
+          </p:nvPr>
+        </p:nvSpPr>
+        <p:spPr/>
+        <p:txBody>
+          <a:bodyPr/>
+          <a:lstStyle/>
+          <a:p>
+            <a:r>
+              <a:rPr lang="pt-BR" dirty="0" smtClean="0">
+                <a:solidFill>
+                  <a:schemeClr val="bg1"/>
+                </a:solidFill>
+              </a:rPr>
+              <a:t>Documentação</a:t>
+            </a:r>
+            <a:endParaRPr lang="pt-BR" dirty="0">
+              <a:solidFill>
+                <a:schemeClr val="bg1"/>
+              </a:solidFill>
+            </a:endParaRPr>
+          </a:p>
+        </p:txBody>
+      </p:sp>
+      <p:sp>
+        <p:nvSpPr>
+          <p:cNvPr id="3" name="Espaço Reservado para Conteúdo 2"/>
+          <p:cNvSpPr>
+            <a:spLocks noGrp="1"/>
+          </p:cNvSpPr>
+          <p:nvPr>
+            <p:ph idx="1"/>
+          </p:nvPr>
+        </p:nvSpPr>
+        <p:spPr>
+          <a:xfrm>
+            <a:off x="467544" y="1340768"/>
+            <a:ext cx="8229600" cy="4525963"/>
+          </a:xfrm>
+        </p:spPr>
+        <p:txBody>
+          <a:bodyPr/>
+          <a:lstStyle/>
+          <a:p>
+            <a:pPr lvl="1">
+              <a:buNone/>
+            </a:pPr>
+            <a:r>
+              <a:rPr lang="pt-BR" dirty="0" smtClean="0">
+                <a:solidFill>
+                  <a:schemeClr val="bg1"/>
+                </a:solidFill>
+              </a:rPr>
+              <a:t>TUDO ESTÁ DOCUMENTADO NA NOSSA </a:t>
+            </a:r>
+            <a:r>
+              <a:rPr lang="pt-BR" dirty="0" smtClean="0">
+                <a:solidFill>
+                  <a:schemeClr val="bg1"/>
+                </a:solidFill>
                 <a:hlinkClick r:id="rId2"/>
               </a:rPr>
-              <a:t>https://github.com/MarcDevGuy127/cinema</a:t>
-            </a:r>
-            <a:endParaRPr lang="pt-BR" dirty="0"/>
-          </a:p>
-        </p:txBody>
-      </p:sp>
+              <a:t>WIKI</a:t>
+            </a:r>
+            <a:r>
+              <a:rPr lang="pt-BR" dirty="0" smtClean="0">
+                <a:solidFill>
+                  <a:schemeClr val="bg1"/>
+                </a:solidFill>
+              </a:rPr>
+              <a:t>!</a:t>
+            </a:r>
+            <a:endParaRPr lang="pt-BR" dirty="0" smtClean="0">
+              <a:solidFill>
+                <a:schemeClr val="bg1"/>
+              </a:solidFill>
+            </a:endParaRPr>
+          </a:p>
+        </p:txBody>
+      </p:sp>
+      <p:pic>
+        <p:nvPicPr>
+          <p:cNvPr id="1026" name="Picture 2"/>
+          <p:cNvPicPr>
+            <a:picLocks noChangeAspect="1" noChangeArrowheads="1"/>
+          </p:cNvPicPr>
+          <p:nvPr/>
+        </p:nvPicPr>
+        <p:blipFill>
+          <a:blip r:embed="rId3" cstate="print"/>
+          <a:srcRect/>
+          <a:stretch>
+            <a:fillRect/>
+          </a:stretch>
+        </p:blipFill>
+        <p:spPr bwMode="auto">
+          <a:xfrm>
+            <a:off x="0" y="2106801"/>
+            <a:ext cx="9143999" cy="4751200"/>
+          </a:xfrm>
+          <a:prstGeom prst="rect">
+            <a:avLst/>
+          </a:prstGeom>
+          <a:noFill/>
+          <a:ln w="9525">
+            <a:noFill/>
+            <a:miter lim="800000"/>
+            <a:headEnd/>
+            <a:tailEnd/>
+          </a:ln>
+          <a:effectLst/>
+        </p:spPr>
+      </p:pic>
     </p:spTree>
   </p:cSld>
   <p:clrMapOvr>
